--- a/Presentation.pptx
+++ b/Presentation.pptx
@@ -7,6 +7,7 @@
   <p:sldIdLst>
     <p:sldId id="256" r:id="rId2"/>
     <p:sldId id="257" r:id="rId3"/>
+    <p:sldId id="258" r:id="rId4"/>
   </p:sldIdLst>
   <p:sldSz cx="12192000" cy="6858000"/>
   <p:notesSz cx="6858000" cy="9144000"/>
@@ -105,6 +106,11 @@
       </a:defRPr>
     </a:lvl9pPr>
   </p:defaultTextStyle>
+  <p:extLst>
+    <p:ext uri="{EFAFB233-063F-42B5-8137-9DF3F51BA10A}">
+      <p15:sldGuideLst xmlns:p15="http://schemas.microsoft.com/office/powerpoint/2012/main"/>
+    </p:ext>
+  </p:extLst>
 </p:presentation>
 </file>
 
@@ -278,7 +284,7 @@
           <a:p>
             <a:fld id="{E3EB6615-D2B8-1846-81EA-48F65655701D}" type="datetimeFigureOut">
               <a:rPr lang="en-US" smtClean="0"/>
-              <a:t>11/21/19</a:t>
+              <a:t>12/10/2019</a:t>
             </a:fld>
             <a:endParaRPr lang="en-US"/>
           </a:p>
@@ -545,7 +551,7 @@
           <a:p>
             <a:fld id="{E3EB6615-D2B8-1846-81EA-48F65655701D}" type="datetimeFigureOut">
               <a:rPr lang="en-US" smtClean="0"/>
-              <a:t>11/21/19</a:t>
+              <a:t>12/10/2019</a:t>
             </a:fld>
             <a:endParaRPr lang="en-US"/>
           </a:p>
@@ -776,7 +782,7 @@
           <a:p>
             <a:fld id="{E3EB6615-D2B8-1846-81EA-48F65655701D}" type="datetimeFigureOut">
               <a:rPr lang="en-US" smtClean="0"/>
-              <a:t>11/21/19</a:t>
+              <a:t>12/10/2019</a:t>
             </a:fld>
             <a:endParaRPr lang="en-US"/>
           </a:p>
@@ -1086,7 +1092,7 @@
           <a:p>
             <a:fld id="{E3EB6615-D2B8-1846-81EA-48F65655701D}" type="datetimeFigureOut">
               <a:rPr lang="en-US" smtClean="0"/>
-              <a:t>11/21/19</a:t>
+              <a:t>12/10/2019</a:t>
             </a:fld>
             <a:endParaRPr lang="en-US"/>
           </a:p>
@@ -1559,7 +1565,7 @@
           <a:p>
             <a:fld id="{E3EB6615-D2B8-1846-81EA-48F65655701D}" type="datetimeFigureOut">
               <a:rPr lang="en-US" smtClean="0"/>
-              <a:t>11/21/19</a:t>
+              <a:t>12/10/2019</a:t>
             </a:fld>
             <a:endParaRPr lang="en-US"/>
           </a:p>
@@ -2106,7 +2112,7 @@
           <a:p>
             <a:fld id="{E3EB6615-D2B8-1846-81EA-48F65655701D}" type="datetimeFigureOut">
               <a:rPr lang="en-US" smtClean="0"/>
-              <a:t>11/21/19</a:t>
+              <a:t>12/10/2019</a:t>
             </a:fld>
             <a:endParaRPr lang="en-US"/>
           </a:p>
@@ -2880,7 +2886,7 @@
           <a:p>
             <a:fld id="{E3EB6615-D2B8-1846-81EA-48F65655701D}" type="datetimeFigureOut">
               <a:rPr lang="en-US" smtClean="0"/>
-              <a:t>11/21/19</a:t>
+              <a:t>12/10/2019</a:t>
             </a:fld>
             <a:endParaRPr lang="en-US"/>
           </a:p>
@@ -3055,7 +3061,7 @@
           <a:p>
             <a:fld id="{E3EB6615-D2B8-1846-81EA-48F65655701D}" type="datetimeFigureOut">
               <a:rPr lang="en-US" smtClean="0"/>
-              <a:t>11/21/19</a:t>
+              <a:t>12/10/2019</a:t>
             </a:fld>
             <a:endParaRPr lang="en-US"/>
           </a:p>
@@ -3278,7 +3284,7 @@
           <a:p>
             <a:fld id="{E3EB6615-D2B8-1846-81EA-48F65655701D}" type="datetimeFigureOut">
               <a:rPr lang="en-US" smtClean="0"/>
-              <a:t>11/21/19</a:t>
+              <a:t>12/10/2019</a:t>
             </a:fld>
             <a:endParaRPr lang="en-US"/>
           </a:p>
@@ -3458,7 +3464,7 @@
           <a:p>
             <a:fld id="{E3EB6615-D2B8-1846-81EA-48F65655701D}" type="datetimeFigureOut">
               <a:rPr lang="en-US" smtClean="0"/>
-              <a:t>11/21/19</a:t>
+              <a:t>12/10/2019</a:t>
             </a:fld>
             <a:endParaRPr lang="en-US"/>
           </a:p>
@@ -3747,7 +3753,7 @@
           <a:p>
             <a:fld id="{E3EB6615-D2B8-1846-81EA-48F65655701D}" type="datetimeFigureOut">
               <a:rPr lang="en-US" smtClean="0"/>
-              <a:t>11/21/19</a:t>
+              <a:t>12/10/2019</a:t>
             </a:fld>
             <a:endParaRPr lang="en-US"/>
           </a:p>
@@ -3989,7 +3995,7 @@
           <a:p>
             <a:fld id="{E3EB6615-D2B8-1846-81EA-48F65655701D}" type="datetimeFigureOut">
               <a:rPr lang="en-US" smtClean="0"/>
-              <a:t>11/21/19</a:t>
+              <a:t>12/10/2019</a:t>
             </a:fld>
             <a:endParaRPr lang="en-US"/>
           </a:p>
@@ -4373,7 +4379,7 @@
           <a:p>
             <a:fld id="{E3EB6615-D2B8-1846-81EA-48F65655701D}" type="datetimeFigureOut">
               <a:rPr lang="en-US" smtClean="0"/>
-              <a:t>11/21/19</a:t>
+              <a:t>12/10/2019</a:t>
             </a:fld>
             <a:endParaRPr lang="en-US"/>
           </a:p>
@@ -4496,7 +4502,7 @@
           <a:p>
             <a:fld id="{E3EB6615-D2B8-1846-81EA-48F65655701D}" type="datetimeFigureOut">
               <a:rPr lang="en-US" smtClean="0"/>
-              <a:t>11/21/19</a:t>
+              <a:t>12/10/2019</a:t>
             </a:fld>
             <a:endParaRPr lang="en-US"/>
           </a:p>
@@ -4591,7 +4597,7 @@
           <a:p>
             <a:fld id="{E3EB6615-D2B8-1846-81EA-48F65655701D}" type="datetimeFigureOut">
               <a:rPr lang="en-US" smtClean="0"/>
-              <a:t>11/21/19</a:t>
+              <a:t>12/10/2019</a:t>
             </a:fld>
             <a:endParaRPr lang="en-US"/>
           </a:p>
@@ -4840,7 +4846,7 @@
           <a:p>
             <a:fld id="{E3EB6615-D2B8-1846-81EA-48F65655701D}" type="datetimeFigureOut">
               <a:rPr lang="en-US" smtClean="0"/>
-              <a:t>11/21/19</a:t>
+              <a:t>12/10/2019</a:t>
             </a:fld>
             <a:endParaRPr lang="en-US"/>
           </a:p>
@@ -5102,7 +5108,7 @@
           <a:p>
             <a:fld id="{E3EB6615-D2B8-1846-81EA-48F65655701D}" type="datetimeFigureOut">
               <a:rPr lang="en-US" smtClean="0"/>
-              <a:t>11/21/19</a:t>
+              <a:t>12/10/2019</a:t>
             </a:fld>
             <a:endParaRPr lang="en-US"/>
           </a:p>
@@ -5345,7 +5351,7 @@
           <a:p>
             <a:fld id="{E3EB6615-D2B8-1846-81EA-48F65655701D}" type="datetimeFigureOut">
               <a:rPr lang="en-US" smtClean="0"/>
-              <a:t>11/21/19</a:t>
+              <a:t>12/10/2019</a:t>
             </a:fld>
             <a:endParaRPr lang="en-US"/>
           </a:p>
@@ -5784,7 +5790,7 @@
           <a:p>
             <a:r>
               <a:rPr lang="en-US" dirty="0"/>
-              <a:t>Final Project</a:t>
+              <a:t>Political Mapping</a:t>
             </a:r>
           </a:p>
         </p:txBody>
@@ -5868,7 +5874,10 @@
           <a:bodyPr/>
           <a:lstStyle/>
           <a:p>
-            <a:endParaRPr lang="en-US" dirty="0"/>
+            <a:r>
+              <a:rPr lang="en-US" dirty="0"/>
+              <a:t>Algorithm</a:t>
+            </a:r>
           </a:p>
         </p:txBody>
       </p:sp>
@@ -5909,6 +5918,89 @@
     <p:extLst>
       <p:ext uri="{BB962C8B-B14F-4D97-AF65-F5344CB8AC3E}">
         <p14:creationId xmlns:p14="http://schemas.microsoft.com/office/powerpoint/2010/main" val="503071099"/>
+      </p:ext>
+    </p:extLst>
+  </p:cSld>
+  <p:clrMapOvr>
+    <a:masterClrMapping/>
+  </p:clrMapOvr>
+</p:sld>
+</file>
+
+<file path=ppt/slides/slide3.xml><?xml version="1.0" encoding="utf-8"?>
+<p:sld xmlns:a="http://schemas.openxmlformats.org/drawingml/2006/main" xmlns:r="http://schemas.openxmlformats.org/officeDocument/2006/relationships" xmlns:p="http://schemas.openxmlformats.org/presentationml/2006/main">
+  <p:cSld>
+    <p:spTree>
+      <p:nvGrpSpPr>
+        <p:cNvPr id="1" name=""/>
+        <p:cNvGrpSpPr/>
+        <p:nvPr/>
+      </p:nvGrpSpPr>
+      <p:grpSpPr>
+        <a:xfrm>
+          <a:off x="0" y="0"/>
+          <a:ext cx="0" cy="0"/>
+          <a:chOff x="0" y="0"/>
+          <a:chExt cx="0" cy="0"/>
+        </a:xfrm>
+      </p:grpSpPr>
+      <p:sp>
+        <p:nvSpPr>
+          <p:cNvPr id="2" name="Title 1">
+            <a:extLst>
+              <a:ext uri="{FF2B5EF4-FFF2-40B4-BE49-F238E27FC236}">
+                <a16:creationId xmlns:a16="http://schemas.microsoft.com/office/drawing/2014/main" id="{FB3BE148-B124-45FA-B4DC-76EB1D19A99B}"/>
+              </a:ext>
+            </a:extLst>
+          </p:cNvPr>
+          <p:cNvSpPr>
+            <a:spLocks noGrp="1"/>
+          </p:cNvSpPr>
+          <p:nvPr>
+            <p:ph type="title"/>
+          </p:nvPr>
+        </p:nvSpPr>
+        <p:spPr/>
+        <p:txBody>
+          <a:bodyPr/>
+          <a:lstStyle/>
+          <a:p>
+            <a:r>
+              <a:rPr lang="en-US" dirty="0"/>
+              <a:t>Initial planning</a:t>
+            </a:r>
+          </a:p>
+        </p:txBody>
+      </p:sp>
+      <p:sp>
+        <p:nvSpPr>
+          <p:cNvPr id="3" name="Content Placeholder 2">
+            <a:extLst>
+              <a:ext uri="{FF2B5EF4-FFF2-40B4-BE49-F238E27FC236}">
+                <a16:creationId xmlns:a16="http://schemas.microsoft.com/office/drawing/2014/main" id="{1FC1AC45-1B91-43CF-B4B8-C1E8999299E5}"/>
+              </a:ext>
+            </a:extLst>
+          </p:cNvPr>
+          <p:cNvSpPr>
+            <a:spLocks noGrp="1"/>
+          </p:cNvSpPr>
+          <p:nvPr>
+            <p:ph idx="1"/>
+          </p:nvPr>
+        </p:nvSpPr>
+        <p:spPr/>
+        <p:txBody>
+          <a:bodyPr/>
+          <a:lstStyle/>
+          <a:p>
+            <a:endParaRPr lang="en-US" dirty="0"/>
+          </a:p>
+        </p:txBody>
+      </p:sp>
+    </p:spTree>
+    <p:extLst>
+      <p:ext uri="{BB962C8B-B14F-4D97-AF65-F5344CB8AC3E}">
+        <p14:creationId xmlns:p14="http://schemas.microsoft.com/office/powerpoint/2010/main" val="1398622441"/>
       </p:ext>
     </p:extLst>
   </p:cSld>
